--- a/Steps.pptx
+++ b/Steps.pptx
@@ -3037,6 +3037,76 @@
           <a:chExt cx="0" cy="0"/>
         </a:xfrm>
       </p:grpSpPr>
+      <p:pic>
+        <p:nvPicPr>
+          <p:cNvPr id="2" name="Picture 1"/>
+          <p:cNvPicPr>
+            <a:picLocks noChangeAspect="1"/>
+          </p:cNvPicPr>
+          <p:nvPr/>
+        </p:nvPicPr>
+        <p:blipFill>
+          <a:blip r:embed="rId2"/>
+          <a:stretch>
+            <a:fillRect/>
+          </a:stretch>
+        </p:blipFill>
+        <p:spPr>
+          <a:xfrm>
+            <a:off x="-3048000" y="-1714500"/>
+            <a:ext cx="18288000" cy="10287000"/>
+          </a:xfrm>
+          <a:prstGeom prst="rect">
+            <a:avLst/>
+          </a:prstGeom>
+        </p:spPr>
+      </p:pic>
+      <p:sp>
+        <p:nvSpPr>
+          <p:cNvPr id="3" name="Rectangle 2"/>
+          <p:cNvSpPr/>
+          <p:nvPr/>
+        </p:nvSpPr>
+        <p:spPr>
+          <a:xfrm>
+            <a:off x="4572000" y="2307771"/>
+            <a:ext cx="4905829" cy="3875315"/>
+          </a:xfrm>
+          <a:prstGeom prst="rect">
+            <a:avLst/>
+          </a:prstGeom>
+          <a:noFill/>
+          <a:ln>
+            <a:solidFill>
+              <a:srgbClr val="FF0000"/>
+            </a:solidFill>
+          </a:ln>
+        </p:spPr>
+        <p:style>
+          <a:lnRef idx="2">
+            <a:schemeClr val="accent1">
+              <a:shade val="50000"/>
+            </a:schemeClr>
+          </a:lnRef>
+          <a:fillRef idx="1">
+            <a:schemeClr val="accent1"/>
+          </a:fillRef>
+          <a:effectRef idx="0">
+            <a:schemeClr val="accent1"/>
+          </a:effectRef>
+          <a:fontRef idx="minor">
+            <a:schemeClr val="lt1"/>
+          </a:fontRef>
+        </p:style>
+        <p:txBody>
+          <a:bodyPr rtlCol="0" anchor="ctr"/>
+          <a:lstStyle/>
+          <a:p>
+            <a:pPr algn="ctr"/>
+            <a:endParaRPr lang="en-NZ"/>
+          </a:p>
+        </p:txBody>
+      </p:sp>
     </p:spTree>
     <p:extLst>
       <p:ext uri="{BB962C8B-B14F-4D97-AF65-F5344CB8AC3E}">
@@ -3067,6 +3137,76 @@
           <a:chExt cx="0" cy="0"/>
         </a:xfrm>
       </p:grpSpPr>
+      <p:pic>
+        <p:nvPicPr>
+          <p:cNvPr id="2" name="Picture 1"/>
+          <p:cNvPicPr>
+            <a:picLocks noChangeAspect="1"/>
+          </p:cNvPicPr>
+          <p:nvPr/>
+        </p:nvPicPr>
+        <p:blipFill>
+          <a:blip r:embed="rId2"/>
+          <a:stretch>
+            <a:fillRect/>
+          </a:stretch>
+        </p:blipFill>
+        <p:spPr>
+          <a:xfrm>
+            <a:off x="-3048000" y="-1714500"/>
+            <a:ext cx="18288000" cy="10287000"/>
+          </a:xfrm>
+          <a:prstGeom prst="rect">
+            <a:avLst/>
+          </a:prstGeom>
+        </p:spPr>
+      </p:pic>
+      <p:sp>
+        <p:nvSpPr>
+          <p:cNvPr id="3" name="Rectangle 2"/>
+          <p:cNvSpPr/>
+          <p:nvPr/>
+        </p:nvSpPr>
+        <p:spPr>
+          <a:xfrm>
+            <a:off x="2641600" y="1146629"/>
+            <a:ext cx="5979886" cy="275771"/>
+          </a:xfrm>
+          <a:prstGeom prst="rect">
+            <a:avLst/>
+          </a:prstGeom>
+          <a:noFill/>
+          <a:ln>
+            <a:solidFill>
+              <a:srgbClr val="FF0000"/>
+            </a:solidFill>
+          </a:ln>
+        </p:spPr>
+        <p:style>
+          <a:lnRef idx="2">
+            <a:schemeClr val="accent1">
+              <a:shade val="50000"/>
+            </a:schemeClr>
+          </a:lnRef>
+          <a:fillRef idx="1">
+            <a:schemeClr val="accent1"/>
+          </a:fillRef>
+          <a:effectRef idx="0">
+            <a:schemeClr val="accent1"/>
+          </a:effectRef>
+          <a:fontRef idx="minor">
+            <a:schemeClr val="lt1"/>
+          </a:fontRef>
+        </p:style>
+        <p:txBody>
+          <a:bodyPr rtlCol="0" anchor="ctr"/>
+          <a:lstStyle/>
+          <a:p>
+            <a:pPr algn="ctr"/>
+            <a:endParaRPr lang="en-NZ"/>
+          </a:p>
+        </p:txBody>
+      </p:sp>
     </p:spTree>
     <p:extLst>
       <p:ext uri="{BB962C8B-B14F-4D97-AF65-F5344CB8AC3E}">
@@ -3097,6 +3237,30 @@
           <a:chExt cx="0" cy="0"/>
         </a:xfrm>
       </p:grpSpPr>
+      <p:pic>
+        <p:nvPicPr>
+          <p:cNvPr id="2" name="Picture 1"/>
+          <p:cNvPicPr>
+            <a:picLocks noChangeAspect="1"/>
+          </p:cNvPicPr>
+          <p:nvPr/>
+        </p:nvPicPr>
+        <p:blipFill>
+          <a:blip r:embed="rId2"/>
+          <a:stretch>
+            <a:fillRect/>
+          </a:stretch>
+        </p:blipFill>
+        <p:spPr>
+          <a:xfrm>
+            <a:off x="-3048000" y="-1714500"/>
+            <a:ext cx="18288000" cy="10287000"/>
+          </a:xfrm>
+          <a:prstGeom prst="rect">
+            <a:avLst/>
+          </a:prstGeom>
+        </p:spPr>
+      </p:pic>
     </p:spTree>
     <p:extLst>
       <p:ext uri="{BB962C8B-B14F-4D97-AF65-F5344CB8AC3E}">
@@ -3737,6 +3901,30 @@
           <a:chExt cx="0" cy="0"/>
         </a:xfrm>
       </p:grpSpPr>
+      <p:pic>
+        <p:nvPicPr>
+          <p:cNvPr id="2" name="Picture 1"/>
+          <p:cNvPicPr>
+            <a:picLocks noChangeAspect="1"/>
+          </p:cNvPicPr>
+          <p:nvPr/>
+        </p:nvPicPr>
+        <p:blipFill>
+          <a:blip r:embed="rId2"/>
+          <a:stretch>
+            <a:fillRect/>
+          </a:stretch>
+        </p:blipFill>
+        <p:spPr>
+          <a:xfrm>
+            <a:off x="-3048000" y="-1714500"/>
+            <a:ext cx="18288000" cy="10287000"/>
+          </a:xfrm>
+          <a:prstGeom prst="rect">
+            <a:avLst/>
+          </a:prstGeom>
+        </p:spPr>
+      </p:pic>
     </p:spTree>
     <p:extLst>
       <p:ext uri="{BB962C8B-B14F-4D97-AF65-F5344CB8AC3E}">
@@ -3767,6 +3955,30 @@
           <a:chExt cx="0" cy="0"/>
         </a:xfrm>
       </p:grpSpPr>
+      <p:pic>
+        <p:nvPicPr>
+          <p:cNvPr id="2" name="Picture 1"/>
+          <p:cNvPicPr>
+            <a:picLocks noChangeAspect="1"/>
+          </p:cNvPicPr>
+          <p:nvPr/>
+        </p:nvPicPr>
+        <p:blipFill>
+          <a:blip r:embed="rId2"/>
+          <a:stretch>
+            <a:fillRect/>
+          </a:stretch>
+        </p:blipFill>
+        <p:spPr>
+          <a:xfrm>
+            <a:off x="-3048000" y="-1714500"/>
+            <a:ext cx="18288000" cy="10287000"/>
+          </a:xfrm>
+          <a:prstGeom prst="rect">
+            <a:avLst/>
+          </a:prstGeom>
+        </p:spPr>
+      </p:pic>
     </p:spTree>
     <p:extLst>
       <p:ext uri="{BB962C8B-B14F-4D97-AF65-F5344CB8AC3E}">
@@ -3797,6 +4009,76 @@
           <a:chExt cx="0" cy="0"/>
         </a:xfrm>
       </p:grpSpPr>
+      <p:pic>
+        <p:nvPicPr>
+          <p:cNvPr id="2" name="Picture 1"/>
+          <p:cNvPicPr>
+            <a:picLocks noChangeAspect="1"/>
+          </p:cNvPicPr>
+          <p:nvPr/>
+        </p:nvPicPr>
+        <p:blipFill>
+          <a:blip r:embed="rId2"/>
+          <a:stretch>
+            <a:fillRect/>
+          </a:stretch>
+        </p:blipFill>
+        <p:spPr>
+          <a:xfrm>
+            <a:off x="-3048000" y="-1714500"/>
+            <a:ext cx="18288000" cy="10287000"/>
+          </a:xfrm>
+          <a:prstGeom prst="rect">
+            <a:avLst/>
+          </a:prstGeom>
+        </p:spPr>
+      </p:pic>
+      <p:sp>
+        <p:nvSpPr>
+          <p:cNvPr id="3" name="Rectangle 2"/>
+          <p:cNvSpPr/>
+          <p:nvPr/>
+        </p:nvSpPr>
+        <p:spPr>
+          <a:xfrm>
+            <a:off x="-2394857" y="3236686"/>
+            <a:ext cx="3556000" cy="2627085"/>
+          </a:xfrm>
+          <a:prstGeom prst="rect">
+            <a:avLst/>
+          </a:prstGeom>
+          <a:noFill/>
+          <a:ln>
+            <a:solidFill>
+              <a:srgbClr val="FF0000"/>
+            </a:solidFill>
+          </a:ln>
+        </p:spPr>
+        <p:style>
+          <a:lnRef idx="2">
+            <a:schemeClr val="accent1">
+              <a:shade val="50000"/>
+            </a:schemeClr>
+          </a:lnRef>
+          <a:fillRef idx="1">
+            <a:schemeClr val="accent1"/>
+          </a:fillRef>
+          <a:effectRef idx="0">
+            <a:schemeClr val="accent1"/>
+          </a:effectRef>
+          <a:fontRef idx="minor">
+            <a:schemeClr val="lt1"/>
+          </a:fontRef>
+        </p:style>
+        <p:txBody>
+          <a:bodyPr rtlCol="0" anchor="ctr"/>
+          <a:lstStyle/>
+          <a:p>
+            <a:pPr algn="ctr"/>
+            <a:endParaRPr lang="en-NZ"/>
+          </a:p>
+        </p:txBody>
+      </p:sp>
     </p:spTree>
     <p:extLst>
       <p:ext uri="{BB962C8B-B14F-4D97-AF65-F5344CB8AC3E}">
